--- a/prjt.pptx
+++ b/prjt.pptx
@@ -5635,7 +5635,7 @@
         <p:spPr bwMode="auto">
           <a:xfrm>
             <a:off x="1099807" y="3042848"/>
-            <a:ext cx="9762544" cy="400110"/>
+            <a:ext cx="8792472" cy="400110"/>
           </a:xfrm>
           <a:prstGeom prst="rect">
             <a:avLst/>
@@ -5683,7 +5683,7 @@
           </a:bodyPr>
           <a:lstStyle/>
           <a:p>
-            <a:pPr marR="0" lvl="0" algn="l" defTabSz="914400" rtl="0" eaLnBrk="0" fontAlgn="base" latinLnBrk="0" hangingPunct="0">
+            <a:pPr lvl="0" defTabSz="914400" eaLnBrk="0" fontAlgn="base" hangingPunct="0">
               <a:lnSpc>
                 <a:spcPct val="100000"/>
               </a:lnSpc>
@@ -5701,7 +5701,6 @@
               <a:buSzTx/>
               <a:buFont typeface="Wingdings" panose="05000000000000000000" pitchFamily="2" charset="2"/>
               <a:buChar char="§"/>
-              <a:tabLst/>
             </a:pPr>
             <a:r>
               <a:rPr lang="en-US" altLang="en-US" sz="2000" dirty="0" err="1" smtClean="0">
@@ -5722,24 +5721,14 @@
               <a:t> Link </a:t>
             </a:r>
             <a:r>
-              <a:rPr kumimoji="0" lang="en-US" altLang="en-US" sz="2000" b="0" i="0" u="none" strike="noStrike" cap="none" normalizeH="0" baseline="0" dirty="0" smtClean="0">
-                <a:ln>
-                  <a:noFill/>
-                </a:ln>
+              <a:rPr lang="en-US" altLang="en-US" sz="2000" dirty="0">
                 <a:solidFill>
                   <a:schemeClr val="tx1"/>
                 </a:solidFill>
-                <a:effectLst/>
                 <a:latin typeface="Arial" panose="020B0604020202020204" pitchFamily="34" charset="0"/>
               </a:rPr>
-              <a:t>: https://www.kaggle.com/datasets/ziya07/power-system-faults-dataset</a:t>
-            </a:r>
-            <a:endParaRPr lang="en-US" altLang="en-US" sz="2000" dirty="0">
-              <a:solidFill>
-                <a:schemeClr val="tx1"/>
-              </a:solidFill>
-              <a:latin typeface="Arial" panose="020B0604020202020204" pitchFamily="34" charset="0"/>
-            </a:endParaRPr>
+              <a:t>: https://github.com/anspriya/Power-system-fault-detection.git</a:t>
+            </a:r>
           </a:p>
         </p:txBody>
       </p:sp>
